--- a/doc/藍芽連線相容性測試頁面示意圖.pptx
+++ b/doc/藍芽連線相容性測試頁面示意圖.pptx
@@ -7,10 +7,11 @@
   <p:sldIdLst>
     <p:sldId id="260" r:id="rId2"/>
     <p:sldId id="258" r:id="rId3"/>
-    <p:sldId id="257" r:id="rId4"/>
-    <p:sldId id="259" r:id="rId5"/>
-    <p:sldId id="262" r:id="rId6"/>
-    <p:sldId id="261" r:id="rId7"/>
+    <p:sldId id="263" r:id="rId4"/>
+    <p:sldId id="257" r:id="rId5"/>
+    <p:sldId id="259" r:id="rId6"/>
+    <p:sldId id="262" r:id="rId7"/>
+    <p:sldId id="261" r:id="rId8"/>
   </p:sldIdLst>
   <p:sldSz cx="9144000" cy="5143500" type="screen16x9"/>
   <p:notesSz cx="6858000" cy="9144000"/>
@@ -462,7 +463,7 @@
           <a:p>
             <a:fld id="{091DE697-E9DB-4654-BBE4-DDEE8C11F18F}" type="datetimeFigureOut">
               <a:rPr lang="zh-TW" altLang="en-US" smtClean="0"/>
-              <a:t>2018/4/19</a:t>
+              <a:t>2018/5/31</a:t>
             </a:fld>
             <a:endParaRPr lang="zh-TW" altLang="en-US"/>
           </a:p>
@@ -632,7 +633,7 @@
           <a:p>
             <a:fld id="{091DE697-E9DB-4654-BBE4-DDEE8C11F18F}" type="datetimeFigureOut">
               <a:rPr lang="zh-TW" altLang="en-US" smtClean="0"/>
-              <a:t>2018/4/19</a:t>
+              <a:t>2018/5/31</a:t>
             </a:fld>
             <a:endParaRPr lang="zh-TW" altLang="en-US"/>
           </a:p>
@@ -812,7 +813,7 @@
           <a:p>
             <a:fld id="{091DE697-E9DB-4654-BBE4-DDEE8C11F18F}" type="datetimeFigureOut">
               <a:rPr lang="zh-TW" altLang="en-US" smtClean="0"/>
-              <a:t>2018/4/19</a:t>
+              <a:t>2018/5/31</a:t>
             </a:fld>
             <a:endParaRPr lang="zh-TW" altLang="en-US"/>
           </a:p>
@@ -982,7 +983,7 @@
           <a:p>
             <a:fld id="{091DE697-E9DB-4654-BBE4-DDEE8C11F18F}" type="datetimeFigureOut">
               <a:rPr lang="zh-TW" altLang="en-US" smtClean="0"/>
-              <a:t>2018/4/19</a:t>
+              <a:t>2018/5/31</a:t>
             </a:fld>
             <a:endParaRPr lang="zh-TW" altLang="en-US"/>
           </a:p>
@@ -1228,7 +1229,7 @@
           <a:p>
             <a:fld id="{091DE697-E9DB-4654-BBE4-DDEE8C11F18F}" type="datetimeFigureOut">
               <a:rPr lang="zh-TW" altLang="en-US" smtClean="0"/>
-              <a:t>2018/4/19</a:t>
+              <a:t>2018/5/31</a:t>
             </a:fld>
             <a:endParaRPr lang="zh-TW" altLang="en-US"/>
           </a:p>
@@ -1516,7 +1517,7 @@
           <a:p>
             <a:fld id="{091DE697-E9DB-4654-BBE4-DDEE8C11F18F}" type="datetimeFigureOut">
               <a:rPr lang="zh-TW" altLang="en-US" smtClean="0"/>
-              <a:t>2018/4/19</a:t>
+              <a:t>2018/5/31</a:t>
             </a:fld>
             <a:endParaRPr lang="zh-TW" altLang="en-US"/>
           </a:p>
@@ -1943,7 +1944,7 @@
           <a:p>
             <a:fld id="{091DE697-E9DB-4654-BBE4-DDEE8C11F18F}" type="datetimeFigureOut">
               <a:rPr lang="zh-TW" altLang="en-US" smtClean="0"/>
-              <a:t>2018/4/19</a:t>
+              <a:t>2018/5/31</a:t>
             </a:fld>
             <a:endParaRPr lang="zh-TW" altLang="en-US"/>
           </a:p>
@@ -2061,7 +2062,7 @@
           <a:p>
             <a:fld id="{091DE697-E9DB-4654-BBE4-DDEE8C11F18F}" type="datetimeFigureOut">
               <a:rPr lang="zh-TW" altLang="en-US" smtClean="0"/>
-              <a:t>2018/4/19</a:t>
+              <a:t>2018/5/31</a:t>
             </a:fld>
             <a:endParaRPr lang="zh-TW" altLang="en-US"/>
           </a:p>
@@ -2156,7 +2157,7 @@
           <a:p>
             <a:fld id="{091DE697-E9DB-4654-BBE4-DDEE8C11F18F}" type="datetimeFigureOut">
               <a:rPr lang="zh-TW" altLang="en-US" smtClean="0"/>
-              <a:t>2018/4/19</a:t>
+              <a:t>2018/5/31</a:t>
             </a:fld>
             <a:endParaRPr lang="zh-TW" altLang="en-US"/>
           </a:p>
@@ -2433,7 +2434,7 @@
           <a:p>
             <a:fld id="{091DE697-E9DB-4654-BBE4-DDEE8C11F18F}" type="datetimeFigureOut">
               <a:rPr lang="zh-TW" altLang="en-US" smtClean="0"/>
-              <a:t>2018/4/19</a:t>
+              <a:t>2018/5/31</a:t>
             </a:fld>
             <a:endParaRPr lang="zh-TW" altLang="en-US"/>
           </a:p>
@@ -2686,7 +2687,7 @@
           <a:p>
             <a:fld id="{091DE697-E9DB-4654-BBE4-DDEE8C11F18F}" type="datetimeFigureOut">
               <a:rPr lang="zh-TW" altLang="en-US" smtClean="0"/>
-              <a:t>2018/4/19</a:t>
+              <a:t>2018/5/31</a:t>
             </a:fld>
             <a:endParaRPr lang="zh-TW" altLang="en-US"/>
           </a:p>
@@ -2899,7 +2900,7 @@
           <a:p>
             <a:fld id="{091DE697-E9DB-4654-BBE4-DDEE8C11F18F}" type="datetimeFigureOut">
               <a:rPr lang="zh-TW" altLang="en-US" smtClean="0"/>
-              <a:t>2018/4/19</a:t>
+              <a:t>2018/5/31</a:t>
             </a:fld>
             <a:endParaRPr lang="zh-TW" altLang="en-US"/>
           </a:p>
@@ -3539,22 +3540,372 @@
           <a:chExt cx="0" cy="0"/>
         </a:xfrm>
       </p:grpSpPr>
+      <p:sp>
+        <p:nvSpPr>
+          <p:cNvPr id="9" name="矩形 8"/>
+          <p:cNvSpPr/>
+          <p:nvPr/>
+        </p:nvSpPr>
+        <p:spPr>
+          <a:xfrm>
+            <a:off x="23462" y="-23918"/>
+            <a:ext cx="9144000" cy="411510"/>
+          </a:xfrm>
+          <a:prstGeom prst="rect">
+            <a:avLst/>
+          </a:prstGeom>
+        </p:spPr>
+        <p:style>
+          <a:lnRef idx="2">
+            <a:schemeClr val="accent1">
+              <a:shade val="50000"/>
+            </a:schemeClr>
+          </a:lnRef>
+          <a:fillRef idx="1">
+            <a:schemeClr val="accent1"/>
+          </a:fillRef>
+          <a:effectRef idx="0">
+            <a:schemeClr val="accent1"/>
+          </a:effectRef>
+          <a:fontRef idx="minor">
+            <a:schemeClr val="lt1"/>
+          </a:fontRef>
+        </p:style>
+        <p:txBody>
+          <a:bodyPr rtlCol="0" anchor="ctr"/>
+          <a:lstStyle/>
+          <a:p>
+            <a:pPr algn="r"/>
+            <a:r>
+              <a:rPr lang="zh-TW" altLang="en-US" dirty="0" smtClean="0">
+                <a:solidFill>
+                  <a:schemeClr val="bg1"/>
+                </a:solidFill>
+                <a:latin typeface="華康棒棒體W5(P)" pitchFamily="82" charset="-120"/>
+                <a:ea typeface="華康棒棒體W5(P)" pitchFamily="82" charset="-120"/>
+                <a:sym typeface="Wingdings"/>
+              </a:rPr>
+              <a:t> 林亮勳</a:t>
+            </a:r>
+            <a:r>
+              <a:rPr lang="en-US" altLang="zh-TW" dirty="0" smtClean="0">
+                <a:solidFill>
+                  <a:schemeClr val="bg1"/>
+                </a:solidFill>
+                <a:latin typeface="華康棒棒體W5(P)" pitchFamily="82" charset="-120"/>
+                <a:ea typeface="華康棒棒體W5(P)" pitchFamily="82" charset="-120"/>
+                <a:sym typeface="Wingdings"/>
+              </a:rPr>
+              <a:t>(</a:t>
+            </a:r>
+            <a:r>
+              <a:rPr lang="zh-TW" altLang="en-US" dirty="0" smtClean="0">
+                <a:solidFill>
+                  <a:schemeClr val="bg1"/>
+                </a:solidFill>
+                <a:latin typeface="華康棒棒體W5(P)" pitchFamily="82" charset="-120"/>
+                <a:ea typeface="華康棒棒體W5(P)" pitchFamily="82" charset="-120"/>
+                <a:sym typeface="Wingdings"/>
+              </a:rPr>
+              <a:t>開發人員</a:t>
+            </a:r>
+            <a:r>
+              <a:rPr lang="en-US" altLang="zh-TW" dirty="0" smtClean="0">
+                <a:solidFill>
+                  <a:schemeClr val="bg1"/>
+                </a:solidFill>
+                <a:latin typeface="華康棒棒體W5(P)" pitchFamily="82" charset="-120"/>
+                <a:ea typeface="華康棒棒體W5(P)" pitchFamily="82" charset="-120"/>
+                <a:sym typeface="Wingdings"/>
+              </a:rPr>
+              <a:t>)</a:t>
+            </a:r>
+            <a:r>
+              <a:rPr lang="zh-TW" altLang="en-US" dirty="0" smtClean="0">
+                <a:solidFill>
+                  <a:schemeClr val="bg1"/>
+                </a:solidFill>
+                <a:latin typeface="華康棒棒體W5(P)" pitchFamily="82" charset="-120"/>
+                <a:ea typeface="華康棒棒體W5(P)" pitchFamily="82" charset="-120"/>
+                <a:sym typeface="Wingdings"/>
+              </a:rPr>
+              <a:t>　登</a:t>
+            </a:r>
+            <a:r>
+              <a:rPr lang="zh-TW" altLang="en-US" dirty="0" smtClean="0">
+                <a:solidFill>
+                  <a:schemeClr val="bg1"/>
+                </a:solidFill>
+                <a:latin typeface="華康棒棒體W5(P)" pitchFamily="82" charset="-120"/>
+                <a:ea typeface="華康棒棒體W5(P)" pitchFamily="82" charset="-120"/>
+              </a:rPr>
+              <a:t>出</a:t>
+            </a:r>
+            <a:endParaRPr lang="zh-TW" altLang="en-US" dirty="0">
+              <a:solidFill>
+                <a:schemeClr val="bg1"/>
+              </a:solidFill>
+              <a:latin typeface="華康棒棒體W5(P)" pitchFamily="82" charset="-120"/>
+              <a:ea typeface="華康棒棒體W5(P)" pitchFamily="82" charset="-120"/>
+            </a:endParaRPr>
+          </a:p>
+        </p:txBody>
+      </p:sp>
+      <p:sp>
+        <p:nvSpPr>
+          <p:cNvPr id="12" name="文字方塊 11"/>
+          <p:cNvSpPr txBox="1"/>
+          <p:nvPr/>
+        </p:nvSpPr>
+        <p:spPr>
+          <a:xfrm>
+            <a:off x="130966" y="-2829"/>
+            <a:ext cx="4210260" cy="338554"/>
+          </a:xfrm>
+          <a:prstGeom prst="rect">
+            <a:avLst/>
+          </a:prstGeom>
+          <a:noFill/>
+        </p:spPr>
+        <p:txBody>
+          <a:bodyPr wrap="square" rtlCol="0">
+            <a:spAutoFit/>
+          </a:bodyPr>
+          <a:lstStyle/>
+          <a:p>
+            <a:r>
+              <a:rPr lang="zh-TW" altLang="en-US" sz="1600" dirty="0" smtClean="0">
+                <a:solidFill>
+                  <a:srgbClr val="FF0000"/>
+                </a:solidFill>
+                <a:latin typeface="華康棒棒體W5(P)" pitchFamily="82" charset="-120"/>
+                <a:ea typeface="華康棒棒體W5(P)" pitchFamily="82" charset="-120"/>
+                <a:sym typeface="Wingdings 2"/>
+              </a:rPr>
+              <a:t> 執行</a:t>
+            </a:r>
+            <a:r>
+              <a:rPr lang="zh-TW" altLang="en-US" sz="1600" dirty="0" smtClean="0">
+                <a:solidFill>
+                  <a:srgbClr val="FF0000"/>
+                </a:solidFill>
+                <a:latin typeface="華康棒棒體W5(P)" pitchFamily="82" charset="-120"/>
+                <a:ea typeface="華康棒棒體W5(P)" pitchFamily="82" charset="-120"/>
+              </a:rPr>
+              <a:t>測試</a:t>
+            </a:r>
+            <a:r>
+              <a:rPr lang="zh-TW" altLang="en-US" sz="1600" dirty="0" smtClean="0">
+                <a:solidFill>
+                  <a:schemeClr val="bg1"/>
+                </a:solidFill>
+                <a:latin typeface="華康棒棒體W5(P)" pitchFamily="82" charset="-120"/>
+                <a:ea typeface="華康棒棒體W5(P)" pitchFamily="82" charset="-120"/>
+              </a:rPr>
+              <a:t>　</a:t>
+            </a:r>
+            <a:r>
+              <a:rPr lang="zh-TW" altLang="en-US" sz="1600" dirty="0" smtClean="0">
+                <a:solidFill>
+                  <a:schemeClr val="bg1"/>
+                </a:solidFill>
+                <a:latin typeface="華康棒棒體W5(P)" pitchFamily="82" charset="-120"/>
+                <a:ea typeface="華康棒棒體W5(P)" pitchFamily="82" charset="-120"/>
+                <a:sym typeface="Wingdings"/>
+              </a:rPr>
+              <a:t> </a:t>
+            </a:r>
+            <a:r>
+              <a:rPr lang="zh-TW" altLang="en-US" sz="1600" dirty="0" smtClean="0">
+                <a:solidFill>
+                  <a:schemeClr val="bg1"/>
+                </a:solidFill>
+                <a:latin typeface="華康棒棒體W5(P)" pitchFamily="82" charset="-120"/>
+                <a:ea typeface="華康棒棒體W5(P)" pitchFamily="82" charset="-120"/>
+              </a:rPr>
+              <a:t>歷史紀錄　</a:t>
+            </a:r>
+            <a:r>
+              <a:rPr lang="zh-TW" altLang="en-US" sz="1600" dirty="0" smtClean="0">
+                <a:solidFill>
+                  <a:schemeClr val="bg1"/>
+                </a:solidFill>
+                <a:latin typeface="華康棒棒體W5(P)" pitchFamily="82" charset="-120"/>
+                <a:ea typeface="華康棒棒體W5(P)" pitchFamily="82" charset="-120"/>
+                <a:sym typeface="Wingdings" panose="05000000000000000000" pitchFamily="2" charset="2"/>
+              </a:rPr>
+              <a:t>管理版本</a:t>
+            </a:r>
+            <a:r>
+              <a:rPr lang="zh-TW" altLang="en-US" sz="1600" dirty="0" smtClean="0">
+                <a:solidFill>
+                  <a:schemeClr val="bg1"/>
+                </a:solidFill>
+                <a:latin typeface="華康棒棒體W5(P)" pitchFamily="82" charset="-120"/>
+                <a:ea typeface="華康棒棒體W5(P)" pitchFamily="82" charset="-120"/>
+              </a:rPr>
+              <a:t>　</a:t>
+            </a:r>
+            <a:endParaRPr lang="zh-TW" altLang="en-US" sz="1600" dirty="0">
+              <a:solidFill>
+                <a:schemeClr val="bg1"/>
+              </a:solidFill>
+              <a:latin typeface="華康棒棒體W5(P)" pitchFamily="82" charset="-120"/>
+              <a:ea typeface="華康棒棒體W5(P)" pitchFamily="82" charset="-120"/>
+            </a:endParaRPr>
+          </a:p>
+        </p:txBody>
+      </p:sp>
+      <p:sp>
+        <p:nvSpPr>
+          <p:cNvPr id="3" name="矩形 2"/>
+          <p:cNvSpPr/>
+          <p:nvPr/>
+        </p:nvSpPr>
+        <p:spPr>
+          <a:xfrm>
+            <a:off x="2987824" y="987574"/>
+            <a:ext cx="3003666" cy="288032"/>
+          </a:xfrm>
+          <a:prstGeom prst="rect">
+            <a:avLst/>
+          </a:prstGeom>
+          <a:solidFill>
+            <a:schemeClr val="bg1"/>
+          </a:solidFill>
+        </p:spPr>
+        <p:style>
+          <a:lnRef idx="2">
+            <a:schemeClr val="accent1">
+              <a:shade val="50000"/>
+            </a:schemeClr>
+          </a:lnRef>
+          <a:fillRef idx="1">
+            <a:schemeClr val="accent1"/>
+          </a:fillRef>
+          <a:effectRef idx="0">
+            <a:schemeClr val="accent1"/>
+          </a:effectRef>
+          <a:fontRef idx="minor">
+            <a:schemeClr val="lt1"/>
+          </a:fontRef>
+        </p:style>
+        <p:txBody>
+          <a:bodyPr rtlCol="0" anchor="ctr"/>
+          <a:lstStyle/>
+          <a:p>
+            <a:r>
+              <a:rPr lang="zh-TW" altLang="en-US" dirty="0">
+                <a:solidFill>
+                  <a:schemeClr val="tx1"/>
+                </a:solidFill>
+                <a:latin typeface="華康棒棒體W5(P)" pitchFamily="82" charset="-120"/>
+                <a:ea typeface="華康棒棒體W5(P)" pitchFamily="82" charset="-120"/>
+                <a:sym typeface="Wingdings 2"/>
+              </a:rPr>
+              <a:t>請選擇測試腳本</a:t>
+            </a:r>
+            <a:endParaRPr lang="zh-TW" altLang="en-US" dirty="0">
+              <a:solidFill>
+                <a:schemeClr val="tx1"/>
+              </a:solidFill>
+            </a:endParaRPr>
+          </a:p>
+        </p:txBody>
+      </p:sp>
+      <p:sp>
+        <p:nvSpPr>
+          <p:cNvPr id="13" name="等腰三角形 12"/>
+          <p:cNvSpPr/>
+          <p:nvPr/>
+        </p:nvSpPr>
+        <p:spPr>
+          <a:xfrm rot="10800000">
+            <a:off x="5659989" y="1057481"/>
+            <a:ext cx="241722" cy="181292"/>
+          </a:xfrm>
+          <a:prstGeom prst="triangle">
+            <a:avLst/>
+          </a:prstGeom>
+        </p:spPr>
+        <p:style>
+          <a:lnRef idx="2">
+            <a:schemeClr val="accent1">
+              <a:shade val="50000"/>
+            </a:schemeClr>
+          </a:lnRef>
+          <a:fillRef idx="1">
+            <a:schemeClr val="accent1"/>
+          </a:fillRef>
+          <a:effectRef idx="0">
+            <a:schemeClr val="accent1"/>
+          </a:effectRef>
+          <a:fontRef idx="minor">
+            <a:schemeClr val="lt1"/>
+          </a:fontRef>
+        </p:style>
+        <p:txBody>
+          <a:bodyPr rtlCol="0" anchor="ctr"/>
+          <a:lstStyle/>
+          <a:p>
+            <a:pPr algn="ctr"/>
+            <a:endParaRPr lang="zh-TW" altLang="en-US"/>
+          </a:p>
+        </p:txBody>
+      </p:sp>
+    </p:spTree>
+    <p:extLst>
+      <p:ext uri="{BB962C8B-B14F-4D97-AF65-F5344CB8AC3E}">
+        <p14:creationId xmlns:p14="http://schemas.microsoft.com/office/powerpoint/2010/main" val="542100457"/>
+      </p:ext>
+    </p:extLst>
+  </p:cSld>
+  <p:clrMapOvr>
+    <a:masterClrMapping/>
+  </p:clrMapOvr>
+  <p:timing>
+    <p:tnLst>
+      <p:par>
+        <p:cTn id="1" dur="indefinite" restart="never" nodeType="tmRoot"/>
+      </p:par>
+    </p:tnLst>
+  </p:timing>
+</p:sld>
+</file>
+
+<file path=ppt/slides/slide3.xml><?xml version="1.0" encoding="utf-8"?>
+<p:sld xmlns:a="http://schemas.openxmlformats.org/drawingml/2006/main" xmlns:r="http://schemas.openxmlformats.org/officeDocument/2006/relationships" xmlns:p="http://schemas.openxmlformats.org/presentationml/2006/main">
+  <p:cSld>
+    <p:spTree>
+      <p:nvGrpSpPr>
+        <p:cNvPr id="1" name=""/>
+        <p:cNvGrpSpPr/>
+        <p:nvPr/>
+      </p:nvGrpSpPr>
+      <p:grpSpPr>
+        <a:xfrm>
+          <a:off x="0" y="0"/>
+          <a:ext cx="0" cy="0"/>
+          <a:chOff x="0" y="0"/>
+          <a:chExt cx="0" cy="0"/>
+        </a:xfrm>
+      </p:grpSpPr>
       <p:graphicFrame>
         <p:nvGraphicFramePr>
-          <p:cNvPr id="4" name="表格 3"/>
+          <p:cNvPr id="11" name="表格 10"/>
           <p:cNvGraphicFramePr>
             <a:graphicFrameLocks noGrp="1"/>
           </p:cNvGraphicFramePr>
           <p:nvPr>
             <p:extLst>
               <p:ext uri="{D42A27DB-BD31-4B8C-83A1-F6EECF244321}">
-                <p14:modId xmlns:p14="http://schemas.microsoft.com/office/powerpoint/2010/main" val="2625052025"/>
+                <p14:modId xmlns:p14="http://schemas.microsoft.com/office/powerpoint/2010/main" val="48868337"/>
               </p:ext>
             </p:extLst>
           </p:nvPr>
         </p:nvGraphicFramePr>
         <p:xfrm>
-          <a:off x="294215" y="1635646"/>
+          <a:off x="294215" y="1779662"/>
           <a:ext cx="2880320" cy="2595880"/>
         </p:xfrm>
         <a:graphic>
@@ -3870,13 +4221,13 @@
       </p:graphicFrame>
       <p:sp>
         <p:nvSpPr>
-          <p:cNvPr id="5" name="文字方塊 4"/>
+          <p:cNvPr id="12" name="文字方塊 11"/>
           <p:cNvSpPr txBox="1"/>
           <p:nvPr/>
         </p:nvSpPr>
         <p:spPr>
           <a:xfrm>
-            <a:off x="960418" y="1275606"/>
+            <a:off x="960418" y="1419622"/>
             <a:ext cx="1569660" cy="369332"/>
           </a:xfrm>
           <a:prstGeom prst="rect">
@@ -3900,20 +4251,20 @@
       </p:sp>
       <p:graphicFrame>
         <p:nvGraphicFramePr>
-          <p:cNvPr id="6" name="表格 5"/>
+          <p:cNvPr id="13" name="表格 12"/>
           <p:cNvGraphicFramePr>
             <a:graphicFrameLocks noGrp="1"/>
           </p:cNvGraphicFramePr>
           <p:nvPr>
             <p:extLst>
               <p:ext uri="{D42A27DB-BD31-4B8C-83A1-F6EECF244321}">
-                <p14:modId xmlns:p14="http://schemas.microsoft.com/office/powerpoint/2010/main" val="1680069727"/>
+                <p14:modId xmlns:p14="http://schemas.microsoft.com/office/powerpoint/2010/main" val="2105633393"/>
               </p:ext>
             </p:extLst>
           </p:nvPr>
         </p:nvGraphicFramePr>
         <p:xfrm>
-          <a:off x="3275856" y="1644938"/>
+          <a:off x="3275856" y="1788954"/>
           <a:ext cx="2717870" cy="2595880"/>
         </p:xfrm>
         <a:graphic>
@@ -4222,13 +4573,13 @@
       </p:graphicFrame>
       <p:sp>
         <p:nvSpPr>
-          <p:cNvPr id="7" name="文字方塊 6"/>
+          <p:cNvPr id="14" name="文字方塊 13"/>
           <p:cNvSpPr txBox="1"/>
           <p:nvPr/>
         </p:nvSpPr>
         <p:spPr>
           <a:xfrm>
-            <a:off x="4139952" y="1284898"/>
+            <a:off x="4139952" y="1428914"/>
             <a:ext cx="1107996" cy="369332"/>
           </a:xfrm>
           <a:prstGeom prst="rect">
@@ -4252,13 +4603,13 @@
       </p:sp>
       <p:sp>
         <p:nvSpPr>
-          <p:cNvPr id="8" name="圓角矩形 7"/>
+          <p:cNvPr id="15" name="圓角矩形 14"/>
           <p:cNvSpPr/>
           <p:nvPr/>
         </p:nvSpPr>
         <p:spPr>
           <a:xfrm>
-            <a:off x="3995936" y="4480356"/>
+            <a:off x="3995936" y="4624372"/>
             <a:ext cx="936104" cy="312035"/>
           </a:xfrm>
           <a:prstGeom prst="roundRect">
@@ -4298,9 +4649,361 @@
           </a:p>
         </p:txBody>
       </p:sp>
+      <p:graphicFrame>
+        <p:nvGraphicFramePr>
+          <p:cNvPr id="16" name="表格 15"/>
+          <p:cNvGraphicFramePr>
+            <a:graphicFrameLocks noGrp="1"/>
+          </p:cNvGraphicFramePr>
+          <p:nvPr>
+            <p:extLst>
+              <p:ext uri="{D42A27DB-BD31-4B8C-83A1-F6EECF244321}">
+                <p14:modId xmlns:p14="http://schemas.microsoft.com/office/powerpoint/2010/main" val="557274928"/>
+              </p:ext>
+            </p:extLst>
+          </p:nvPr>
+        </p:nvGraphicFramePr>
+        <p:xfrm>
+          <a:off x="6107852" y="1779662"/>
+          <a:ext cx="2717870" cy="2595880"/>
+        </p:xfrm>
+        <a:graphic>
+          <a:graphicData uri="http://schemas.openxmlformats.org/drawingml/2006/table">
+            <a:tbl>
+              <a:tblPr>
+                <a:tableStyleId>{5C22544A-7EE6-4342-B048-85BDC9FD1C3A}</a:tableStyleId>
+              </a:tblPr>
+              <a:tblGrid>
+                <a:gridCol w="339734">
+                  <a:extLst>
+                    <a:ext uri="{9D8B030D-6E8A-4147-A177-3AD203B41FA5}">
+                      <a16:colId xmlns:a16="http://schemas.microsoft.com/office/drawing/2014/main" val="20000"/>
+                    </a:ext>
+                  </a:extLst>
+                </a:gridCol>
+                <a:gridCol w="2378136">
+                  <a:extLst>
+                    <a:ext uri="{9D8B030D-6E8A-4147-A177-3AD203B41FA5}">
+                      <a16:colId xmlns:a16="http://schemas.microsoft.com/office/drawing/2014/main" val="20001"/>
+                    </a:ext>
+                  </a:extLst>
+                </a:gridCol>
+              </a:tblGrid>
+              <a:tr h="370840">
+                <a:tc>
+                  <a:txBody>
+                    <a:bodyPr/>
+                    <a:lstStyle/>
+                    <a:p>
+                      <a:pPr marL="0" marR="0" indent="0" algn="l" defTabSz="914400" rtl="0" eaLnBrk="1" fontAlgn="auto" latinLnBrk="0" hangingPunct="1">
+                        <a:lnSpc>
+                          <a:spcPct val="100000"/>
+                        </a:lnSpc>
+                        <a:spcBef>
+                          <a:spcPts val="0"/>
+                        </a:spcBef>
+                        <a:spcAft>
+                          <a:spcPts val="0"/>
+                        </a:spcAft>
+                        <a:buClrTx/>
+                        <a:buSzTx/>
+                        <a:buFontTx/>
+                        <a:buNone/>
+                        <a:tabLst/>
+                        <a:defRPr/>
+                      </a:pPr>
+                      <a:r>
+                        <a:rPr lang="en-US" altLang="zh-TW" dirty="0" smtClean="0">
+                          <a:sym typeface="Wingdings"/>
+                        </a:rPr>
+                        <a:t></a:t>
+                      </a:r>
+                      <a:endParaRPr lang="zh-TW" altLang="en-US" dirty="0" smtClean="0"/>
+                    </a:p>
+                  </a:txBody>
+                  <a:tcPr/>
+                </a:tc>
+                <a:tc>
+                  <a:txBody>
+                    <a:bodyPr/>
+                    <a:lstStyle/>
+                    <a:p>
+                      <a:r>
+                        <a:rPr lang="en-US" altLang="zh-TW" dirty="0" smtClean="0"/>
+                        <a:t>Motion 1.1</a:t>
+                      </a:r>
+                      <a:endParaRPr lang="zh-TW" altLang="en-US" dirty="0"/>
+                    </a:p>
+                  </a:txBody>
+                  <a:tcPr/>
+                </a:tc>
+                <a:extLst>
+                  <a:ext uri="{0D108BD9-81ED-4DB2-BD59-A6C34878D82A}">
+                    <a16:rowId xmlns:a16="http://schemas.microsoft.com/office/drawing/2014/main" val="10000"/>
+                  </a:ext>
+                </a:extLst>
+              </a:tr>
+              <a:tr h="370840">
+                <a:tc>
+                  <a:txBody>
+                    <a:bodyPr/>
+                    <a:lstStyle/>
+                    <a:p>
+                      <a:pPr marL="0" marR="0" indent="0" algn="l" defTabSz="914400" rtl="0" eaLnBrk="1" fontAlgn="auto" latinLnBrk="0" hangingPunct="1">
+                        <a:lnSpc>
+                          <a:spcPct val="100000"/>
+                        </a:lnSpc>
+                        <a:spcBef>
+                          <a:spcPts val="0"/>
+                        </a:spcBef>
+                        <a:spcAft>
+                          <a:spcPts val="0"/>
+                        </a:spcAft>
+                        <a:buClrTx/>
+                        <a:buSzTx/>
+                        <a:buFontTx/>
+                        <a:buNone/>
+                        <a:tabLst/>
+                        <a:defRPr/>
+                      </a:pPr>
+                      <a:r>
+                        <a:rPr lang="en-US" altLang="zh-TW" dirty="0" smtClean="0">
+                          <a:sym typeface="Wingdings 2"/>
+                        </a:rPr>
+                        <a:t></a:t>
+                      </a:r>
+                      <a:endParaRPr lang="zh-TW" altLang="en-US" dirty="0" smtClean="0"/>
+                    </a:p>
+                  </a:txBody>
+                  <a:tcPr/>
+                </a:tc>
+                <a:tc>
+                  <a:txBody>
+                    <a:bodyPr/>
+                    <a:lstStyle/>
+                    <a:p>
+                      <a:r>
+                        <a:rPr lang="en-US" altLang="zh-TW" dirty="0" smtClean="0"/>
+                        <a:t>Motion</a:t>
+                      </a:r>
+                      <a:r>
+                        <a:rPr lang="en-US" altLang="zh-TW" baseline="0" dirty="0" smtClean="0"/>
+                        <a:t> 1.2</a:t>
+                      </a:r>
+                      <a:endParaRPr lang="zh-TW" altLang="en-US" dirty="0"/>
+                    </a:p>
+                  </a:txBody>
+                  <a:tcPr/>
+                </a:tc>
+                <a:extLst>
+                  <a:ext uri="{0D108BD9-81ED-4DB2-BD59-A6C34878D82A}">
+                    <a16:rowId xmlns:a16="http://schemas.microsoft.com/office/drawing/2014/main" val="10001"/>
+                  </a:ext>
+                </a:extLst>
+              </a:tr>
+              <a:tr h="370840">
+                <a:tc>
+                  <a:txBody>
+                    <a:bodyPr/>
+                    <a:lstStyle/>
+                    <a:p>
+                      <a:pPr marL="0" marR="0" indent="0" algn="l" defTabSz="914400" rtl="0" eaLnBrk="1" fontAlgn="auto" latinLnBrk="0" hangingPunct="1">
+                        <a:lnSpc>
+                          <a:spcPct val="100000"/>
+                        </a:lnSpc>
+                        <a:spcBef>
+                          <a:spcPts val="0"/>
+                        </a:spcBef>
+                        <a:spcAft>
+                          <a:spcPts val="0"/>
+                        </a:spcAft>
+                        <a:buClrTx/>
+                        <a:buSzTx/>
+                        <a:buFontTx/>
+                        <a:buNone/>
+                        <a:tabLst/>
+                        <a:defRPr/>
+                      </a:pPr>
+                      <a:r>
+                        <a:rPr lang="en-US" altLang="zh-TW" dirty="0" smtClean="0">
+                          <a:sym typeface="Wingdings"/>
+                        </a:rPr>
+                        <a:t></a:t>
+                      </a:r>
+                      <a:endParaRPr lang="zh-TW" altLang="en-US" dirty="0" smtClean="0"/>
+                    </a:p>
+                  </a:txBody>
+                  <a:tcPr/>
+                </a:tc>
+                <a:tc>
+                  <a:txBody>
+                    <a:bodyPr/>
+                    <a:lstStyle/>
+                    <a:p>
+                      <a:r>
+                        <a:rPr lang="en-US" altLang="zh-TW" dirty="0" err="1" smtClean="0"/>
+                        <a:t>Thermo</a:t>
+                      </a:r>
+                      <a:r>
+                        <a:rPr lang="en-US" altLang="zh-TW" baseline="0" dirty="0" smtClean="0"/>
+                        <a:t> 2.2</a:t>
+                      </a:r>
+                      <a:endParaRPr lang="zh-TW" altLang="en-US" dirty="0"/>
+                    </a:p>
+                  </a:txBody>
+                  <a:tcPr/>
+                </a:tc>
+                <a:extLst>
+                  <a:ext uri="{0D108BD9-81ED-4DB2-BD59-A6C34878D82A}">
+                    <a16:rowId xmlns:a16="http://schemas.microsoft.com/office/drawing/2014/main" val="10002"/>
+                  </a:ext>
+                </a:extLst>
+              </a:tr>
+              <a:tr h="370840">
+                <a:tc>
+                  <a:txBody>
+                    <a:bodyPr/>
+                    <a:lstStyle/>
+                    <a:p>
+                      <a:endParaRPr lang="zh-TW" altLang="en-US" dirty="0"/>
+                    </a:p>
+                  </a:txBody>
+                  <a:tcPr/>
+                </a:tc>
+                <a:tc>
+                  <a:txBody>
+                    <a:bodyPr/>
+                    <a:lstStyle/>
+                    <a:p>
+                      <a:endParaRPr lang="zh-TW" altLang="en-US" dirty="0"/>
+                    </a:p>
+                  </a:txBody>
+                  <a:tcPr/>
+                </a:tc>
+                <a:extLst>
+                  <a:ext uri="{0D108BD9-81ED-4DB2-BD59-A6C34878D82A}">
+                    <a16:rowId xmlns:a16="http://schemas.microsoft.com/office/drawing/2014/main" val="10003"/>
+                  </a:ext>
+                </a:extLst>
+              </a:tr>
+              <a:tr h="370840">
+                <a:tc>
+                  <a:txBody>
+                    <a:bodyPr/>
+                    <a:lstStyle/>
+                    <a:p>
+                      <a:endParaRPr lang="zh-TW" altLang="en-US"/>
+                    </a:p>
+                  </a:txBody>
+                  <a:tcPr/>
+                </a:tc>
+                <a:tc>
+                  <a:txBody>
+                    <a:bodyPr/>
+                    <a:lstStyle/>
+                    <a:p>
+                      <a:endParaRPr lang="zh-TW" altLang="en-US" dirty="0"/>
+                    </a:p>
+                  </a:txBody>
+                  <a:tcPr/>
+                </a:tc>
+                <a:extLst>
+                  <a:ext uri="{0D108BD9-81ED-4DB2-BD59-A6C34878D82A}">
+                    <a16:rowId xmlns:a16="http://schemas.microsoft.com/office/drawing/2014/main" val="10004"/>
+                  </a:ext>
+                </a:extLst>
+              </a:tr>
+              <a:tr h="370840">
+                <a:tc>
+                  <a:txBody>
+                    <a:bodyPr/>
+                    <a:lstStyle/>
+                    <a:p>
+                      <a:endParaRPr lang="zh-TW" altLang="en-US" dirty="0"/>
+                    </a:p>
+                  </a:txBody>
+                  <a:tcPr/>
+                </a:tc>
+                <a:tc>
+                  <a:txBody>
+                    <a:bodyPr/>
+                    <a:lstStyle/>
+                    <a:p>
+                      <a:endParaRPr lang="zh-TW" altLang="en-US" dirty="0"/>
+                    </a:p>
+                  </a:txBody>
+                  <a:tcPr/>
+                </a:tc>
+                <a:extLst>
+                  <a:ext uri="{0D108BD9-81ED-4DB2-BD59-A6C34878D82A}">
+                    <a16:rowId xmlns:a16="http://schemas.microsoft.com/office/drawing/2014/main" val="10005"/>
+                  </a:ext>
+                </a:extLst>
+              </a:tr>
+              <a:tr h="370840">
+                <a:tc>
+                  <a:txBody>
+                    <a:bodyPr/>
+                    <a:lstStyle/>
+                    <a:p>
+                      <a:endParaRPr lang="zh-TW" altLang="en-US" dirty="0"/>
+                    </a:p>
+                  </a:txBody>
+                  <a:tcPr/>
+                </a:tc>
+                <a:tc>
+                  <a:txBody>
+                    <a:bodyPr/>
+                    <a:lstStyle/>
+                    <a:p>
+                      <a:endParaRPr lang="zh-TW" altLang="en-US" dirty="0"/>
+                    </a:p>
+                  </a:txBody>
+                  <a:tcPr/>
+                </a:tc>
+                <a:extLst>
+                  <a:ext uri="{0D108BD9-81ED-4DB2-BD59-A6C34878D82A}">
+                    <a16:rowId xmlns:a16="http://schemas.microsoft.com/office/drawing/2014/main" val="10006"/>
+                  </a:ext>
+                </a:extLst>
+              </a:tr>
+            </a:tbl>
+          </a:graphicData>
+        </a:graphic>
+      </p:graphicFrame>
       <p:sp>
         <p:nvSpPr>
-          <p:cNvPr id="9" name="矩形 8"/>
+          <p:cNvPr id="17" name="文字方塊 16"/>
+          <p:cNvSpPr txBox="1"/>
+          <p:nvPr/>
+        </p:nvSpPr>
+        <p:spPr>
+          <a:xfrm>
+            <a:off x="6971948" y="1419622"/>
+            <a:ext cx="1107996" cy="369332"/>
+          </a:xfrm>
+          <a:prstGeom prst="rect">
+            <a:avLst/>
+          </a:prstGeom>
+          <a:noFill/>
+        </p:spPr>
+        <p:txBody>
+          <a:bodyPr wrap="none" rtlCol="0">
+            <a:spAutoFit/>
+          </a:bodyPr>
+          <a:lstStyle/>
+          <a:p>
+            <a:r>
+              <a:rPr lang="zh-TW" altLang="en-US" dirty="0" smtClean="0"/>
+              <a:t>裝置版本</a:t>
+            </a:r>
+            <a:endParaRPr lang="zh-TW" altLang="en-US" dirty="0"/>
+          </a:p>
+        </p:txBody>
+      </p:sp>
+      <p:sp>
+        <p:nvSpPr>
+          <p:cNvPr id="18" name="矩形 17"/>
           <p:cNvSpPr/>
           <p:nvPr/>
         </p:nvSpPr>
@@ -4411,7 +5114,7 @@
       </p:sp>
       <p:sp>
         <p:nvSpPr>
-          <p:cNvPr id="12" name="文字方塊 11"/>
+          <p:cNvPr id="19" name="文字方塊 18"/>
           <p:cNvSpPr txBox="1"/>
           <p:nvPr/>
         </p:nvSpPr>
@@ -4514,368 +5217,16 @@
           </a:p>
         </p:txBody>
       </p:sp>
-      <p:graphicFrame>
-        <p:nvGraphicFramePr>
-          <p:cNvPr id="10" name="表格 9"/>
-          <p:cNvGraphicFramePr>
-            <a:graphicFrameLocks noGrp="1"/>
-          </p:cNvGraphicFramePr>
-          <p:nvPr>
-            <p:extLst>
-              <p:ext uri="{D42A27DB-BD31-4B8C-83A1-F6EECF244321}">
-                <p14:modId xmlns:p14="http://schemas.microsoft.com/office/powerpoint/2010/main" val="3791125665"/>
-              </p:ext>
-            </p:extLst>
-          </p:nvPr>
-        </p:nvGraphicFramePr>
-        <p:xfrm>
-          <a:off x="6107852" y="1635646"/>
-          <a:ext cx="2717870" cy="2595880"/>
-        </p:xfrm>
-        <a:graphic>
-          <a:graphicData uri="http://schemas.openxmlformats.org/drawingml/2006/table">
-            <a:tbl>
-              <a:tblPr>
-                <a:tableStyleId>{5C22544A-7EE6-4342-B048-85BDC9FD1C3A}</a:tableStyleId>
-              </a:tblPr>
-              <a:tblGrid>
-                <a:gridCol w="339734">
-                  <a:extLst>
-                    <a:ext uri="{9D8B030D-6E8A-4147-A177-3AD203B41FA5}">
-                      <a16:colId xmlns:a16="http://schemas.microsoft.com/office/drawing/2014/main" val="20000"/>
-                    </a:ext>
-                  </a:extLst>
-                </a:gridCol>
-                <a:gridCol w="2378136">
-                  <a:extLst>
-                    <a:ext uri="{9D8B030D-6E8A-4147-A177-3AD203B41FA5}">
-                      <a16:colId xmlns:a16="http://schemas.microsoft.com/office/drawing/2014/main" val="20001"/>
-                    </a:ext>
-                  </a:extLst>
-                </a:gridCol>
-              </a:tblGrid>
-              <a:tr h="370840">
-                <a:tc>
-                  <a:txBody>
-                    <a:bodyPr/>
-                    <a:lstStyle/>
-                    <a:p>
-                      <a:pPr marL="0" marR="0" indent="0" algn="l" defTabSz="914400" rtl="0" eaLnBrk="1" fontAlgn="auto" latinLnBrk="0" hangingPunct="1">
-                        <a:lnSpc>
-                          <a:spcPct val="100000"/>
-                        </a:lnSpc>
-                        <a:spcBef>
-                          <a:spcPts val="0"/>
-                        </a:spcBef>
-                        <a:spcAft>
-                          <a:spcPts val="0"/>
-                        </a:spcAft>
-                        <a:buClrTx/>
-                        <a:buSzTx/>
-                        <a:buFontTx/>
-                        <a:buNone/>
-                        <a:tabLst/>
-                        <a:defRPr/>
-                      </a:pPr>
-                      <a:r>
-                        <a:rPr lang="en-US" altLang="zh-TW" dirty="0" smtClean="0">
-                          <a:sym typeface="Wingdings"/>
-                        </a:rPr>
-                        <a:t></a:t>
-                      </a:r>
-                      <a:endParaRPr lang="zh-TW" altLang="en-US" dirty="0" smtClean="0"/>
-                    </a:p>
-                  </a:txBody>
-                  <a:tcPr/>
-                </a:tc>
-                <a:tc>
-                  <a:txBody>
-                    <a:bodyPr/>
-                    <a:lstStyle/>
-                    <a:p>
-                      <a:r>
-                        <a:rPr lang="en-US" altLang="zh-TW" dirty="0" smtClean="0"/>
-                        <a:t>Motion 1.1</a:t>
-                      </a:r>
-                      <a:endParaRPr lang="zh-TW" altLang="en-US" dirty="0"/>
-                    </a:p>
-                  </a:txBody>
-                  <a:tcPr/>
-                </a:tc>
-                <a:extLst>
-                  <a:ext uri="{0D108BD9-81ED-4DB2-BD59-A6C34878D82A}">
-                    <a16:rowId xmlns:a16="http://schemas.microsoft.com/office/drawing/2014/main" val="10000"/>
-                  </a:ext>
-                </a:extLst>
-              </a:tr>
-              <a:tr h="370840">
-                <a:tc>
-                  <a:txBody>
-                    <a:bodyPr/>
-                    <a:lstStyle/>
-                    <a:p>
-                      <a:pPr marL="0" marR="0" indent="0" algn="l" defTabSz="914400" rtl="0" eaLnBrk="1" fontAlgn="auto" latinLnBrk="0" hangingPunct="1">
-                        <a:lnSpc>
-                          <a:spcPct val="100000"/>
-                        </a:lnSpc>
-                        <a:spcBef>
-                          <a:spcPts val="0"/>
-                        </a:spcBef>
-                        <a:spcAft>
-                          <a:spcPts val="0"/>
-                        </a:spcAft>
-                        <a:buClrTx/>
-                        <a:buSzTx/>
-                        <a:buFontTx/>
-                        <a:buNone/>
-                        <a:tabLst/>
-                        <a:defRPr/>
-                      </a:pPr>
-                      <a:r>
-                        <a:rPr lang="en-US" altLang="zh-TW" dirty="0" smtClean="0">
-                          <a:sym typeface="Wingdings 2"/>
-                        </a:rPr>
-                        <a:t></a:t>
-                      </a:r>
-                      <a:endParaRPr lang="zh-TW" altLang="en-US" dirty="0" smtClean="0"/>
-                    </a:p>
-                  </a:txBody>
-                  <a:tcPr/>
-                </a:tc>
-                <a:tc>
-                  <a:txBody>
-                    <a:bodyPr/>
-                    <a:lstStyle/>
-                    <a:p>
-                      <a:r>
-                        <a:rPr lang="en-US" altLang="zh-TW" dirty="0" smtClean="0"/>
-                        <a:t>Motion</a:t>
-                      </a:r>
-                      <a:r>
-                        <a:rPr lang="en-US" altLang="zh-TW" baseline="0" dirty="0" smtClean="0"/>
-                        <a:t> 1.2</a:t>
-                      </a:r>
-                      <a:endParaRPr lang="zh-TW" altLang="en-US" dirty="0"/>
-                    </a:p>
-                  </a:txBody>
-                  <a:tcPr/>
-                </a:tc>
-                <a:extLst>
-                  <a:ext uri="{0D108BD9-81ED-4DB2-BD59-A6C34878D82A}">
-                    <a16:rowId xmlns:a16="http://schemas.microsoft.com/office/drawing/2014/main" val="10001"/>
-                  </a:ext>
-                </a:extLst>
-              </a:tr>
-              <a:tr h="370840">
-                <a:tc>
-                  <a:txBody>
-                    <a:bodyPr/>
-                    <a:lstStyle/>
-                    <a:p>
-                      <a:pPr marL="0" marR="0" indent="0" algn="l" defTabSz="914400" rtl="0" eaLnBrk="1" fontAlgn="auto" latinLnBrk="0" hangingPunct="1">
-                        <a:lnSpc>
-                          <a:spcPct val="100000"/>
-                        </a:lnSpc>
-                        <a:spcBef>
-                          <a:spcPts val="0"/>
-                        </a:spcBef>
-                        <a:spcAft>
-                          <a:spcPts val="0"/>
-                        </a:spcAft>
-                        <a:buClrTx/>
-                        <a:buSzTx/>
-                        <a:buFontTx/>
-                        <a:buNone/>
-                        <a:tabLst/>
-                        <a:defRPr/>
-                      </a:pPr>
-                      <a:r>
-                        <a:rPr lang="en-US" altLang="zh-TW" dirty="0" smtClean="0">
-                          <a:sym typeface="Wingdings"/>
-                        </a:rPr>
-                        <a:t></a:t>
-                      </a:r>
-                      <a:endParaRPr lang="zh-TW" altLang="en-US" dirty="0" smtClean="0"/>
-                    </a:p>
-                  </a:txBody>
-                  <a:tcPr/>
-                </a:tc>
-                <a:tc>
-                  <a:txBody>
-                    <a:bodyPr/>
-                    <a:lstStyle/>
-                    <a:p>
-                      <a:r>
-                        <a:rPr lang="en-US" altLang="zh-TW" dirty="0" err="1" smtClean="0"/>
-                        <a:t>Thermo</a:t>
-                      </a:r>
-                      <a:r>
-                        <a:rPr lang="en-US" altLang="zh-TW" baseline="0" dirty="0" smtClean="0"/>
-                        <a:t> 2.2</a:t>
-                      </a:r>
-                      <a:endParaRPr lang="zh-TW" altLang="en-US" dirty="0"/>
-                    </a:p>
-                  </a:txBody>
-                  <a:tcPr/>
-                </a:tc>
-                <a:extLst>
-                  <a:ext uri="{0D108BD9-81ED-4DB2-BD59-A6C34878D82A}">
-                    <a16:rowId xmlns:a16="http://schemas.microsoft.com/office/drawing/2014/main" val="10002"/>
-                  </a:ext>
-                </a:extLst>
-              </a:tr>
-              <a:tr h="370840">
-                <a:tc>
-                  <a:txBody>
-                    <a:bodyPr/>
-                    <a:lstStyle/>
-                    <a:p>
-                      <a:endParaRPr lang="zh-TW" altLang="en-US" dirty="0"/>
-                    </a:p>
-                  </a:txBody>
-                  <a:tcPr/>
-                </a:tc>
-                <a:tc>
-                  <a:txBody>
-                    <a:bodyPr/>
-                    <a:lstStyle/>
-                    <a:p>
-                      <a:endParaRPr lang="zh-TW" altLang="en-US" dirty="0"/>
-                    </a:p>
-                  </a:txBody>
-                  <a:tcPr/>
-                </a:tc>
-                <a:extLst>
-                  <a:ext uri="{0D108BD9-81ED-4DB2-BD59-A6C34878D82A}">
-                    <a16:rowId xmlns:a16="http://schemas.microsoft.com/office/drawing/2014/main" val="10003"/>
-                  </a:ext>
-                </a:extLst>
-              </a:tr>
-              <a:tr h="370840">
-                <a:tc>
-                  <a:txBody>
-                    <a:bodyPr/>
-                    <a:lstStyle/>
-                    <a:p>
-                      <a:endParaRPr lang="zh-TW" altLang="en-US"/>
-                    </a:p>
-                  </a:txBody>
-                  <a:tcPr/>
-                </a:tc>
-                <a:tc>
-                  <a:txBody>
-                    <a:bodyPr/>
-                    <a:lstStyle/>
-                    <a:p>
-                      <a:endParaRPr lang="zh-TW" altLang="en-US" dirty="0"/>
-                    </a:p>
-                  </a:txBody>
-                  <a:tcPr/>
-                </a:tc>
-                <a:extLst>
-                  <a:ext uri="{0D108BD9-81ED-4DB2-BD59-A6C34878D82A}">
-                    <a16:rowId xmlns:a16="http://schemas.microsoft.com/office/drawing/2014/main" val="10004"/>
-                  </a:ext>
-                </a:extLst>
-              </a:tr>
-              <a:tr h="370840">
-                <a:tc>
-                  <a:txBody>
-                    <a:bodyPr/>
-                    <a:lstStyle/>
-                    <a:p>
-                      <a:endParaRPr lang="zh-TW" altLang="en-US" dirty="0"/>
-                    </a:p>
-                  </a:txBody>
-                  <a:tcPr/>
-                </a:tc>
-                <a:tc>
-                  <a:txBody>
-                    <a:bodyPr/>
-                    <a:lstStyle/>
-                    <a:p>
-                      <a:endParaRPr lang="zh-TW" altLang="en-US" dirty="0"/>
-                    </a:p>
-                  </a:txBody>
-                  <a:tcPr/>
-                </a:tc>
-                <a:extLst>
-                  <a:ext uri="{0D108BD9-81ED-4DB2-BD59-A6C34878D82A}">
-                    <a16:rowId xmlns:a16="http://schemas.microsoft.com/office/drawing/2014/main" val="10005"/>
-                  </a:ext>
-                </a:extLst>
-              </a:tr>
-              <a:tr h="370840">
-                <a:tc>
-                  <a:txBody>
-                    <a:bodyPr/>
-                    <a:lstStyle/>
-                    <a:p>
-                      <a:endParaRPr lang="zh-TW" altLang="en-US" dirty="0"/>
-                    </a:p>
-                  </a:txBody>
-                  <a:tcPr/>
-                </a:tc>
-                <a:tc>
-                  <a:txBody>
-                    <a:bodyPr/>
-                    <a:lstStyle/>
-                    <a:p>
-                      <a:endParaRPr lang="zh-TW" altLang="en-US" dirty="0"/>
-                    </a:p>
-                  </a:txBody>
-                  <a:tcPr/>
-                </a:tc>
-                <a:extLst>
-                  <a:ext uri="{0D108BD9-81ED-4DB2-BD59-A6C34878D82A}">
-                    <a16:rowId xmlns:a16="http://schemas.microsoft.com/office/drawing/2014/main" val="10006"/>
-                  </a:ext>
-                </a:extLst>
-              </a:tr>
-            </a:tbl>
-          </a:graphicData>
-        </a:graphic>
-      </p:graphicFrame>
       <p:sp>
         <p:nvSpPr>
-          <p:cNvPr id="11" name="文字方塊 10"/>
-          <p:cNvSpPr txBox="1"/>
-          <p:nvPr/>
-        </p:nvSpPr>
-        <p:spPr>
-          <a:xfrm>
-            <a:off x="6971948" y="1275606"/>
-            <a:ext cx="1107996" cy="369332"/>
-          </a:xfrm>
-          <a:prstGeom prst="rect">
-            <a:avLst/>
-          </a:prstGeom>
-          <a:noFill/>
-        </p:spPr>
-        <p:txBody>
-          <a:bodyPr wrap="none" rtlCol="0">
-            <a:spAutoFit/>
-          </a:bodyPr>
-          <a:lstStyle/>
-          <a:p>
-            <a:r>
-              <a:rPr lang="zh-TW" altLang="en-US" dirty="0" smtClean="0"/>
-              <a:t>裝置版本</a:t>
-            </a:r>
-            <a:endParaRPr lang="zh-TW" altLang="en-US" dirty="0"/>
-          </a:p>
-        </p:txBody>
-      </p:sp>
-      <p:sp>
-        <p:nvSpPr>
-          <p:cNvPr id="3" name="矩形 2"/>
+          <p:cNvPr id="23" name="矩形 22"/>
           <p:cNvSpPr/>
           <p:nvPr/>
         </p:nvSpPr>
         <p:spPr>
           <a:xfrm>
-            <a:off x="294215" y="627534"/>
-            <a:ext cx="2332132" cy="288032"/>
+            <a:off x="2987824" y="987574"/>
+            <a:ext cx="3003666" cy="288032"/>
           </a:xfrm>
           <a:prstGeom prst="rect">
             <a:avLst/>
@@ -4909,8 +5260,20 @@
                 <a:solidFill>
                   <a:schemeClr val="tx1"/>
                 </a:solidFill>
+                <a:ea typeface="華康棒棒體W5(P)" pitchFamily="82" charset="-120"/>
+                <a:sym typeface="Wingdings 2"/>
               </a:rPr>
-              <a:t>瀏覽器</a:t>
+              <a:t>整合測</a:t>
+            </a:r>
+            <a:r>
+              <a:rPr lang="zh-TW" altLang="en-US" dirty="0">
+                <a:solidFill>
+                  <a:schemeClr val="tx1"/>
+                </a:solidFill>
+                <a:ea typeface="華康棒棒體W5(P)" pitchFamily="82" charset="-120"/>
+                <a:sym typeface="Wingdings 2"/>
+              </a:rPr>
+              <a:t>試</a:t>
             </a:r>
             <a:endParaRPr lang="zh-TW" altLang="en-US" dirty="0">
               <a:solidFill>
@@ -4922,13 +5285,13 @@
       </p:sp>
       <p:sp>
         <p:nvSpPr>
-          <p:cNvPr id="13" name="等腰三角形 12"/>
+          <p:cNvPr id="24" name="等腰三角形 23"/>
           <p:cNvSpPr/>
           <p:nvPr/>
         </p:nvSpPr>
         <p:spPr>
           <a:xfrm rot="10800000">
-            <a:off x="2294846" y="697441"/>
+            <a:off x="5659989" y="1057481"/>
             <a:ext cx="241722" cy="181292"/>
           </a:xfrm>
           <a:prstGeom prst="triangle">
@@ -4960,69 +5323,20 @@
           </a:p>
         </p:txBody>
       </p:sp>
-      <p:sp>
-        <p:nvSpPr>
-          <p:cNvPr id="14" name="矩形 13"/>
-          <p:cNvSpPr/>
-          <p:nvPr/>
-        </p:nvSpPr>
-        <p:spPr>
-          <a:xfrm>
-            <a:off x="2699792" y="627534"/>
-            <a:ext cx="720080" cy="288032"/>
-          </a:xfrm>
-          <a:prstGeom prst="rect">
-            <a:avLst/>
-          </a:prstGeom>
-        </p:spPr>
-        <p:style>
-          <a:lnRef idx="0">
-            <a:schemeClr val="accent1"/>
-          </a:lnRef>
-          <a:fillRef idx="3">
-            <a:schemeClr val="accent1"/>
-          </a:fillRef>
-          <a:effectRef idx="3">
-            <a:schemeClr val="accent1"/>
-          </a:effectRef>
-          <a:fontRef idx="minor">
-            <a:schemeClr val="lt1"/>
-          </a:fontRef>
-        </p:style>
-        <p:txBody>
-          <a:bodyPr rtlCol="0" anchor="ctr"/>
-          <a:lstStyle/>
-          <a:p>
-            <a:pPr algn="ctr"/>
-            <a:r>
-              <a:rPr lang="zh-TW" altLang="en-US" dirty="0" smtClean="0"/>
-              <a:t>新增</a:t>
-            </a:r>
-            <a:endParaRPr lang="zh-TW" altLang="en-US" dirty="0"/>
-          </a:p>
-        </p:txBody>
-      </p:sp>
     </p:spTree>
     <p:extLst>
       <p:ext uri="{BB962C8B-B14F-4D97-AF65-F5344CB8AC3E}">
-        <p14:creationId xmlns:p14="http://schemas.microsoft.com/office/powerpoint/2010/main" val="542100457"/>
+        <p14:creationId xmlns:p14="http://schemas.microsoft.com/office/powerpoint/2010/main" val="739226066"/>
       </p:ext>
     </p:extLst>
   </p:cSld>
   <p:clrMapOvr>
     <a:masterClrMapping/>
   </p:clrMapOvr>
-  <p:timing>
-    <p:tnLst>
-      <p:par>
-        <p:cTn id="1" dur="indefinite" restart="never" nodeType="tmRoot"/>
-      </p:par>
-    </p:tnLst>
-  </p:timing>
 </p:sld>
 </file>
 
-<file path=ppt/slides/slide3.xml><?xml version="1.0" encoding="utf-8"?>
+<file path=ppt/slides/slide4.xml><?xml version="1.0" encoding="utf-8"?>
 <p:sld xmlns:a="http://schemas.openxmlformats.org/drawingml/2006/main" xmlns:r="http://schemas.openxmlformats.org/officeDocument/2006/relationships" xmlns:p="http://schemas.openxmlformats.org/presentationml/2006/main">
   <p:cSld>
     <p:spTree>
@@ -6375,7 +6689,7 @@
 </p:sld>
 </file>
 
-<file path=ppt/slides/slide4.xml><?xml version="1.0" encoding="utf-8"?>
+<file path=ppt/slides/slide5.xml><?xml version="1.0" encoding="utf-8"?>
 <p:sld xmlns:a="http://schemas.openxmlformats.org/drawingml/2006/main" xmlns:r="http://schemas.openxmlformats.org/officeDocument/2006/relationships" xmlns:p="http://schemas.openxmlformats.org/presentationml/2006/main">
   <p:cSld>
     <p:spTree>
@@ -7456,7 +7770,7 @@
 </p:sld>
 </file>
 
-<file path=ppt/slides/slide5.xml><?xml version="1.0" encoding="utf-8"?>
+<file path=ppt/slides/slide6.xml><?xml version="1.0" encoding="utf-8"?>
 <p:sld xmlns:a="http://schemas.openxmlformats.org/drawingml/2006/main" xmlns:r="http://schemas.openxmlformats.org/officeDocument/2006/relationships" xmlns:p="http://schemas.openxmlformats.org/presentationml/2006/main">
   <p:cSld>
     <p:spTree>
@@ -8548,7 +8862,7 @@
         </p:nvSpPr>
         <p:spPr>
           <a:xfrm>
-            <a:off x="1383169" y="4118450"/>
+            <a:off x="1763688" y="3883178"/>
             <a:ext cx="1244615" cy="288032"/>
           </a:xfrm>
           <a:prstGeom prst="rect">
@@ -8605,7 +8919,7 @@
         </p:nvSpPr>
         <p:spPr>
           <a:xfrm>
-            <a:off x="2807804" y="4119819"/>
+            <a:off x="3188323" y="3884547"/>
             <a:ext cx="3348372" cy="288032"/>
           </a:xfrm>
           <a:prstGeom prst="rect">
@@ -8673,7 +8987,7 @@
         </p:nvSpPr>
         <p:spPr>
           <a:xfrm>
-            <a:off x="6336196" y="4118450"/>
+            <a:off x="6716715" y="3883178"/>
             <a:ext cx="720080" cy="288032"/>
           </a:xfrm>
           <a:prstGeom prst="roundRect">
@@ -8712,126 +9026,13 @@
       </p:sp>
       <p:sp>
         <p:nvSpPr>
-          <p:cNvPr id="21" name="矩形 20"/>
-          <p:cNvSpPr/>
-          <p:nvPr/>
-        </p:nvSpPr>
-        <p:spPr>
-          <a:xfrm>
-            <a:off x="1383169" y="3712782"/>
-            <a:ext cx="1244615" cy="288032"/>
-          </a:xfrm>
-          <a:prstGeom prst="rect">
-            <a:avLst/>
-          </a:prstGeom>
-          <a:solidFill>
-            <a:schemeClr val="bg1"/>
-          </a:solidFill>
-        </p:spPr>
-        <p:style>
-          <a:lnRef idx="2">
-            <a:schemeClr val="accent1">
-              <a:shade val="50000"/>
-            </a:schemeClr>
-          </a:lnRef>
-          <a:fillRef idx="1">
-            <a:schemeClr val="accent1"/>
-          </a:fillRef>
-          <a:effectRef idx="0">
-            <a:schemeClr val="accent1"/>
-          </a:effectRef>
-          <a:fontRef idx="minor">
-            <a:schemeClr val="lt1"/>
-          </a:fontRef>
-        </p:style>
-        <p:txBody>
-          <a:bodyPr rtlCol="0" anchor="ctr"/>
-          <a:lstStyle/>
-          <a:p>
-            <a:r>
-              <a:rPr lang="zh-TW" altLang="en-US" sz="1400" dirty="0" smtClean="0">
-                <a:solidFill>
-                  <a:schemeClr val="bg1">
-                    <a:lumMod val="75000"/>
-                  </a:schemeClr>
-                </a:solidFill>
-              </a:rPr>
-              <a:t>版本類別</a:t>
-            </a:r>
-            <a:r>
-              <a:rPr lang="en-US" altLang="zh-TW" sz="1400" dirty="0" smtClean="0">
-                <a:solidFill>
-                  <a:schemeClr val="bg1">
-                    <a:lumMod val="75000"/>
-                  </a:schemeClr>
-                </a:solidFill>
-              </a:rPr>
-              <a:t>…</a:t>
-            </a:r>
-            <a:endParaRPr lang="zh-TW" altLang="en-US" sz="1400" dirty="0">
-              <a:solidFill>
-                <a:schemeClr val="bg1">
-                  <a:lumMod val="75000"/>
-                </a:schemeClr>
-              </a:solidFill>
-            </a:endParaRPr>
-          </a:p>
-        </p:txBody>
-      </p:sp>
-      <p:sp>
-        <p:nvSpPr>
-          <p:cNvPr id="22" name="圓角矩形 21"/>
-          <p:cNvSpPr/>
-          <p:nvPr/>
-        </p:nvSpPr>
-        <p:spPr>
-          <a:xfrm>
-            <a:off x="2807804" y="3712782"/>
-            <a:ext cx="720080" cy="288032"/>
-          </a:xfrm>
-          <a:prstGeom prst="roundRect">
-            <a:avLst/>
-          </a:prstGeom>
-        </p:spPr>
-        <p:style>
-          <a:lnRef idx="0">
-            <a:schemeClr val="accent1"/>
-          </a:lnRef>
-          <a:fillRef idx="3">
-            <a:schemeClr val="accent1"/>
-          </a:fillRef>
-          <a:effectRef idx="3">
-            <a:schemeClr val="accent1"/>
-          </a:effectRef>
-          <a:fontRef idx="minor">
-            <a:schemeClr val="lt1"/>
-          </a:fontRef>
-        </p:style>
-        <p:txBody>
-          <a:bodyPr rtlCol="0" anchor="ctr"/>
-          <a:lstStyle/>
-          <a:p>
-            <a:pPr algn="ctr"/>
-            <a:r>
-              <a:rPr lang="zh-TW" altLang="en-US" dirty="0" smtClean="0"/>
-              <a:t>新</a:t>
-            </a:r>
-            <a:r>
-              <a:rPr lang="zh-TW" altLang="en-US" dirty="0"/>
-              <a:t>增</a:t>
-            </a:r>
-          </a:p>
-        </p:txBody>
-      </p:sp>
-      <p:sp>
-        <p:nvSpPr>
           <p:cNvPr id="23" name="等腰三角形 22"/>
           <p:cNvSpPr/>
           <p:nvPr/>
         </p:nvSpPr>
         <p:spPr>
           <a:xfrm flipV="1">
-            <a:off x="2360965" y="4190458"/>
+            <a:off x="2741484" y="3955186"/>
             <a:ext cx="216024" cy="144016"/>
           </a:xfrm>
           <a:prstGeom prst="triangle">
@@ -8924,7 +9125,7 @@
 </p:sld>
 </file>
 
-<file path=ppt/slides/slide6.xml><?xml version="1.0" encoding="utf-8"?>
+<file path=ppt/slides/slide7.xml><?xml version="1.0" encoding="utf-8"?>
 <p:sld xmlns:a="http://schemas.openxmlformats.org/drawingml/2006/main" xmlns:r="http://schemas.openxmlformats.org/officeDocument/2006/relationships" xmlns:p="http://schemas.openxmlformats.org/presentationml/2006/main">
   <p:cSld>
     <p:spTree>
